--- a/poster/AnalevR.pptx
+++ b/poster/AnalevR.pptx
@@ -129,7 +129,7 @@
       </p14:sectionLst>
     </p:ext>
     <p:ext uri="{EFAFB233-063F-42B5-8137-9DF3F51BA10A}">
-      <p15:sldGuideLst xmlns="" xmlns:p15="http://schemas.microsoft.com/office/powerpoint/2012/main">
+      <p15:sldGuideLst xmlns:p15="http://schemas.microsoft.com/office/powerpoint/2012/main" xmlns="">
         <p15:guide id="1" orient="horz" pos="3132" userDrawn="1">
           <p15:clr>
             <a:srgbClr val="A4A3A4"/>
@@ -775,11 +775,11 @@
         </c:dLbls>
         <c:gapWidth val="219"/>
         <c:overlap val="-27"/>
-        <c:axId val="127521920"/>
-        <c:axId val="127523456"/>
+        <c:axId val="127509632"/>
+        <c:axId val="127511168"/>
       </c:barChart>
       <c:catAx>
-        <c:axId val="127521920"/>
+        <c:axId val="127509632"/>
         <c:scaling>
           <c:orientation val="minMax"/>
         </c:scaling>
@@ -820,7 +820,7 @@
             <a:endParaRPr lang="en-US"/>
           </a:p>
         </c:txPr>
-        <c:crossAx val="127523456"/>
+        <c:crossAx val="127511168"/>
         <c:crosses val="autoZero"/>
         <c:auto val="1"/>
         <c:lblAlgn val="ctr"/>
@@ -828,7 +828,7 @@
         <c:noMultiLvlLbl val="0"/>
       </c:catAx>
       <c:valAx>
-        <c:axId val="127523456"/>
+        <c:axId val="127511168"/>
         <c:scaling>
           <c:orientation val="minMax"/>
         </c:scaling>
@@ -877,7 +877,7 @@
             <a:endParaRPr lang="en-US"/>
           </a:p>
         </c:txPr>
-        <c:crossAx val="127521920"/>
+        <c:crossAx val="127509632"/>
         <c:crosses val="autoZero"/>
         <c:crossBetween val="between"/>
       </c:valAx>
@@ -2099,11 +2099,11 @@
         </c:dLbls>
         <c:gapWidth val="219"/>
         <c:overlap val="-27"/>
-        <c:axId val="149100416"/>
-        <c:axId val="149101952"/>
+        <c:axId val="148838272"/>
+        <c:axId val="148839808"/>
       </c:barChart>
       <c:catAx>
-        <c:axId val="149100416"/>
+        <c:axId val="148838272"/>
         <c:scaling>
           <c:orientation val="minMax"/>
         </c:scaling>
@@ -2144,7 +2144,7 @@
             <a:endParaRPr lang="en-US"/>
           </a:p>
         </c:txPr>
-        <c:crossAx val="149101952"/>
+        <c:crossAx val="148839808"/>
         <c:crosses val="autoZero"/>
         <c:auto val="1"/>
         <c:lblAlgn val="ctr"/>
@@ -2152,7 +2152,7 @@
         <c:noMultiLvlLbl val="0"/>
       </c:catAx>
       <c:valAx>
-        <c:axId val="149101952"/>
+        <c:axId val="148839808"/>
         <c:scaling>
           <c:orientation val="minMax"/>
         </c:scaling>
@@ -2201,7 +2201,7 @@
             <a:endParaRPr lang="en-US"/>
           </a:p>
         </c:txPr>
-        <c:crossAx val="149100416"/>
+        <c:crossAx val="148838272"/>
         <c:crosses val="autoZero"/>
         <c:crossBetween val="between"/>
       </c:valAx>
@@ -5788,7 +5788,7 @@
   </p:timing>
   <p:extLst mod="1">
     <p:ext uri="{DCECCB84-F9BA-43D5-87BE-67443E8EF086}">
-      <p15:sldGuideLst xmlns="" xmlns:p15="http://schemas.microsoft.com/office/powerpoint/2012/main"/>
+      <p15:sldGuideLst xmlns:p15="http://schemas.microsoft.com/office/powerpoint/2012/main" xmlns=""/>
     </p:ext>
   </p:extLst>
 </p:sldLayout>
@@ -8333,7 +8333,7 @@
   </p:timing>
   <p:extLst mod="1">
     <p:ext uri="{DCECCB84-F9BA-43D5-87BE-67443E8EF086}">
-      <p15:sldGuideLst xmlns="" xmlns:p15="http://schemas.microsoft.com/office/powerpoint/2012/main"/>
+      <p15:sldGuideLst xmlns:p15="http://schemas.microsoft.com/office/powerpoint/2012/main" xmlns=""/>
     </p:ext>
   </p:extLst>
 </p:sldLayout>
@@ -37328,7 +37328,7 @@
         <p:spPr>
           <a:xfrm>
             <a:off x="13298206" y="12539102"/>
-            <a:ext cx="2484142" cy="523220"/>
+            <a:ext cx="3806748" cy="523220"/>
           </a:xfrm>
           <a:prstGeom prst="rect">
             <a:avLst/>
@@ -37349,7 +37349,7 @@
                 <a:latin typeface="Arial" pitchFamily="34" charset="0"/>
                 <a:cs typeface="Arial" pitchFamily="34" charset="0"/>
               </a:rPr>
-              <a:t>With </a:t>
+              <a:t>Introducing: </a:t>
             </a:r>
             <a:r>
               <a:rPr lang="en-US" sz="2800" b="1" dirty="0" err="1" smtClean="0">
@@ -37569,14 +37569,16 @@
           <p:nvPr/>
         </p:nvSpPr>
         <p:spPr>
-          <a:xfrm rot="16200000">
-            <a:off x="5659350" y="8729243"/>
+          <a:xfrm>
+            <a:off x="5942521" y="8312242"/>
             <a:ext cx="877163" cy="369332"/>
           </a:xfrm>
           <a:prstGeom prst="rect">
             <a:avLst/>
           </a:prstGeom>
-          <a:noFill/>
+          <a:solidFill>
+            <a:srgbClr val="FFC9C9"/>
+          </a:solidFill>
         </p:spPr>
         <p:txBody>
           <a:bodyPr wrap="none" rtlCol="0">
@@ -37612,14 +37614,16 @@
           <p:nvPr/>
         </p:nvSpPr>
         <p:spPr>
-          <a:xfrm rot="16200000">
-            <a:off x="5352727" y="10726265"/>
+          <a:xfrm>
+            <a:off x="5626880" y="9783043"/>
             <a:ext cx="1479892" cy="369332"/>
           </a:xfrm>
           <a:prstGeom prst="rect">
             <a:avLst/>
           </a:prstGeom>
-          <a:noFill/>
+          <a:solidFill>
+            <a:srgbClr val="FFC9C9"/>
+          </a:solidFill>
         </p:spPr>
         <p:txBody>
           <a:bodyPr wrap="none" rtlCol="0">
@@ -37655,14 +37659,16 @@
           <p:nvPr/>
         </p:nvSpPr>
         <p:spPr>
-          <a:xfrm rot="5400000">
-            <a:off x="5616920" y="9764539"/>
+          <a:xfrm>
+            <a:off x="5337771" y="11222992"/>
             <a:ext cx="2086661" cy="369332"/>
           </a:xfrm>
           <a:prstGeom prst="rect">
             <a:avLst/>
           </a:prstGeom>
-          <a:noFill/>
+          <a:solidFill>
+            <a:srgbClr val="FFC9C9"/>
+          </a:solidFill>
         </p:spPr>
         <p:txBody>
           <a:bodyPr wrap="none" rtlCol="0">
@@ -37727,7 +37733,7 @@
         <p:spPr>
           <a:xfrm>
             <a:off x="987384" y="12573683"/>
-            <a:ext cx="10647568" cy="369332"/>
+            <a:ext cx="10647568" cy="400110"/>
           </a:xfrm>
           <a:prstGeom prst="rect">
             <a:avLst/>
@@ -37751,7 +37757,30 @@
                 <a:latin typeface="Arial" pitchFamily="34" charset="0"/>
                 <a:cs typeface="Arial" pitchFamily="34" charset="0"/>
               </a:rPr>
-              <a:t>Several data-acquiring issues cause data underutilization problem at BPS – Statistics Indonesia</a:t>
+              <a:t>Several data-acquiring issues cause </a:t>
+            </a:r>
+            <a:r>
+              <a:rPr lang="en-US" sz="2000" b="1" u="sng" dirty="0" smtClean="0">
+                <a:solidFill>
+                  <a:srgbClr val="FF0000"/>
+                </a:solidFill>
+                <a:latin typeface="Arial" pitchFamily="34" charset="0"/>
+                <a:cs typeface="Arial" pitchFamily="34" charset="0"/>
+              </a:rPr>
+              <a:t>data underutilization</a:t>
+            </a:r>
+            <a:r>
+              <a:rPr lang="en-US" sz="1800" dirty="0" smtClean="0">
+                <a:solidFill>
+                  <a:schemeClr val="tx1">
+                    <a:lumMod val="75000"/>
+                    <a:lumOff val="25000"/>
+                  </a:schemeClr>
+                </a:solidFill>
+                <a:latin typeface="Arial" pitchFamily="34" charset="0"/>
+                <a:cs typeface="Arial" pitchFamily="34" charset="0"/>
+              </a:rPr>
+              <a:t> problem at BPS – Statistics Indonesia</a:t>
             </a:r>
             <a:endParaRPr lang="en-US" sz="1800" dirty="0">
               <a:solidFill>
@@ -38326,7 +38355,7 @@
   <a:extraClrSchemeLst/>
   <a:extLst>
     <a:ext uri="{05A4C25C-085E-4340-85A3-A5531E510DB2}">
-      <thm15:themeFamily xmlns="" xmlns:thm15="http://schemas.microsoft.com/office/thememl/2012/main" name="Office Theme" id="{62F939B6-93AF-4DB8-9C6B-D6C7DFDC589F}" vid="{4A3C46E8-61CC-4603-A589-7422A47A8E4A}"/>
+      <thm15:themeFamily xmlns:thm15="http://schemas.microsoft.com/office/thememl/2012/main" xmlns="" name="Office Theme" id="{62F939B6-93AF-4DB8-9C6B-D6C7DFDC589F}" vid="{4A3C46E8-61CC-4603-A589-7422A47A8E4A}"/>
     </a:ext>
   </a:extLst>
 </a:theme>
@@ -38872,7 +38901,7 @@
   <a:extraClrSchemeLst/>
   <a:extLst>
     <a:ext uri="{05A4C25C-085E-4340-85A3-A5531E510DB2}">
-      <thm15:themeFamily xmlns="" xmlns:thm15="http://schemas.microsoft.com/office/thememl/2012/main" name="Office Theme" id="{62F939B6-93AF-4DB8-9C6B-D6C7DFDC589F}" vid="{4A3C46E8-61CC-4603-A589-7422A47A8E4A}"/>
+      <thm15:themeFamily xmlns:thm15="http://schemas.microsoft.com/office/thememl/2012/main" xmlns="" name="Office Theme" id="{62F939B6-93AF-4DB8-9C6B-D6C7DFDC589F}" vid="{4A3C46E8-61CC-4603-A589-7422A47A8E4A}"/>
     </a:ext>
   </a:extLst>
 </a:theme>
